--- a/docs/presentation/tunefull-presentation-power-point.pptx
+++ b/docs/presentation/tunefull-presentation-power-point.pptx
@@ -13821,6 +13821,21 @@
             <a:r>
               <a:rPr lang="en-US" dirty="0"/>
               <a:t>Being willing to change our ideas from original wireframes</a:t>
+            </a:r>
+          </a:p>
+          <a:p>
+            <a:pPr lvl="1"/>
+            <a:r>
+              <a:rPr lang="en-US"/>
+              <a:t>Being Persistent</a:t>
+            </a:r>
+            <a:endParaRPr lang="en-US" dirty="0"/>
+          </a:p>
+          <a:p>
+            <a:pPr lvl="2"/>
+            <a:r>
+              <a:rPr lang="en-US" dirty="0"/>
+              <a:t>Things take longer than expected</a:t>
             </a:r>
           </a:p>
         </p:txBody>

--- a/docs/presentation/tunefull-presentation-power-point.pptx
+++ b/docs/presentation/tunefull-presentation-power-point.pptx
@@ -1718,7 +1718,7 @@
         <a:p>
           <a:r>
             <a:rPr lang="en-US" dirty="0"/>
-            <a:t>Apache HTTP server configured as reverse proxy</a:t>
+            <a:t>Apache HTTPS server configured as reverse proxy</a:t>
           </a:r>
         </a:p>
       </dgm:t>
@@ -2077,7 +2077,7 @@
         <a:lstStyle/>
         <a:p>
           <a:r>
-            <a:rPr lang="en-US"/>
+            <a:rPr lang="en-US" dirty="0"/>
             <a:t>Service Controllers</a:t>
           </a:r>
         </a:p>
@@ -2185,7 +2185,7 @@
         <a:lstStyle/>
         <a:p>
           <a:r>
-            <a:rPr lang="en-US"/>
+            <a:rPr lang="en-US" dirty="0"/>
             <a:t>View Composition &amp; Serialization</a:t>
           </a:r>
         </a:p>
@@ -2257,7 +2257,7 @@
         <a:lstStyle/>
         <a:p>
           <a:r>
-            <a:rPr lang="en-US"/>
+            <a:rPr lang="en-US" dirty="0"/>
             <a:t>Custom View Classes &amp; Interfaces</a:t>
           </a:r>
         </a:p>
@@ -2293,7 +2293,7 @@
         <a:lstStyle/>
         <a:p>
           <a:r>
-            <a:rPr lang="en-US"/>
+            <a:rPr lang="en-US" dirty="0"/>
             <a:t>Authentication</a:t>
           </a:r>
         </a:p>
@@ -2904,7 +2904,23 @@
         <a:p>
           <a:r>
             <a:rPr lang="en-US" dirty="0"/>
-            <a:t>Custom `RecyclerView.Adapter` and `RecyclerView.Holder` classes</a:t>
+            <a:t>Custom </a:t>
+          </a:r>
+          <a:r>
+            <a:rPr lang="en-US" dirty="0" err="1"/>
+            <a:t>RecyclerView.Adapter</a:t>
+          </a:r>
+          <a:r>
+            <a:rPr lang="en-US" dirty="0"/>
+            <a:t> and </a:t>
+          </a:r>
+          <a:r>
+            <a:rPr lang="en-US" dirty="0" err="1"/>
+            <a:t>RecyclerView.Holder</a:t>
+          </a:r>
+          <a:r>
+            <a:rPr lang="en-US" dirty="0"/>
+            <a:t> classes</a:t>
           </a:r>
         </a:p>
       </dgm:t>
@@ -3605,7 +3621,7 @@
           </a:pPr>
           <a:r>
             <a:rPr lang="en-US" sz="1200" kern="1200" dirty="0"/>
-            <a:t>Apache HTTP server configured as reverse proxy</a:t>
+            <a:t>Apache HTTPS server configured as reverse proxy</a:t>
           </a:r>
         </a:p>
         <a:p>
@@ -3784,7 +3800,7 @@
             <a:buChar char="•"/>
           </a:pPr>
           <a:r>
-            <a:rPr lang="en-US" sz="1200" kern="1200"/>
+            <a:rPr lang="en-US" sz="1200" kern="1200" dirty="0"/>
             <a:t>Service Controllers</a:t>
           </a:r>
         </a:p>
@@ -3838,7 +3854,7 @@
             <a:buChar char="•"/>
           </a:pPr>
           <a:r>
-            <a:rPr lang="en-US" sz="1200" kern="1200"/>
+            <a:rPr lang="en-US" sz="1200" kern="1200" dirty="0"/>
             <a:t>View Composition &amp; Serialization</a:t>
           </a:r>
         </a:p>
@@ -3874,7 +3890,7 @@
             <a:buChar char="•"/>
           </a:pPr>
           <a:r>
-            <a:rPr lang="en-US" sz="1200" kern="1200"/>
+            <a:rPr lang="en-US" sz="1200" kern="1200" dirty="0"/>
             <a:t>Custom View Classes &amp; Interfaces</a:t>
           </a:r>
         </a:p>
@@ -3892,7 +3908,7 @@
             <a:buChar char="•"/>
           </a:pPr>
           <a:r>
-            <a:rPr lang="en-US" sz="1200" kern="1200"/>
+            <a:rPr lang="en-US" sz="1200" kern="1200" dirty="0"/>
             <a:t>Authentication</a:t>
           </a:r>
         </a:p>
@@ -4268,7 +4284,23 @@
           </a:pPr>
           <a:r>
             <a:rPr lang="en-US" sz="1100" kern="1200" dirty="0"/>
-            <a:t>Custom `RecyclerView.Adapter` and `RecyclerView.Holder` classes</a:t>
+            <a:t>Custom </a:t>
+          </a:r>
+          <a:r>
+            <a:rPr lang="en-US" sz="1100" kern="1200" dirty="0" err="1"/>
+            <a:t>RecyclerView.Adapter</a:t>
+          </a:r>
+          <a:r>
+            <a:rPr lang="en-US" sz="1100" kern="1200" dirty="0"/>
+            <a:t> and </a:t>
+          </a:r>
+          <a:r>
+            <a:rPr lang="en-US" sz="1100" kern="1200" dirty="0" err="1"/>
+            <a:t>RecyclerView.Holder</a:t>
+          </a:r>
+          <a:r>
+            <a:rPr lang="en-US" sz="1100" kern="1200" dirty="0"/>
+            <a:t> classes</a:t>
           </a:r>
         </a:p>
         <a:p>
@@ -12970,7 +13002,7 @@
             <p:ph idx="1"/>
             <p:extLst>
               <p:ext uri="{D42A27DB-BD31-4B8C-83A1-F6EECF244321}">
-                <p14:modId xmlns:p14="http://schemas.microsoft.com/office/powerpoint/2010/main" val="2163190798"/>
+                <p14:modId xmlns:p14="http://schemas.microsoft.com/office/powerpoint/2010/main" val="2953414483"/>
               </p:ext>
             </p:extLst>
           </p:nvPr>
@@ -13285,7 +13317,7 @@
             <p:ph idx="1"/>
             <p:extLst>
               <p:ext uri="{D42A27DB-BD31-4B8C-83A1-F6EECF244321}">
-                <p14:modId xmlns:p14="http://schemas.microsoft.com/office/powerpoint/2010/main" val="74859684"/>
+                <p14:modId xmlns:p14="http://schemas.microsoft.com/office/powerpoint/2010/main" val="2227971377"/>
               </p:ext>
             </p:extLst>
           </p:nvPr>
@@ -13826,10 +13858,9 @@
           <a:p>
             <a:pPr lvl="1"/>
             <a:r>
-              <a:rPr lang="en-US"/>
+              <a:rPr lang="en-US" dirty="0"/>
               <a:t>Being Persistent</a:t>
             </a:r>
-            <a:endParaRPr lang="en-US" dirty="0"/>
           </a:p>
           <a:p>
             <a:pPr lvl="2"/>

--- a/docs/presentation/tunefull-presentation-power-point.pptx
+++ b/docs/presentation/tunefull-presentation-power-point.pptx
@@ -11702,7 +11702,7 @@
             <a:pPr lvl="2"/>
             <a:r>
               <a:rPr lang="en-US" dirty="0"/>
-              <a:t>Some client-server communication is failing.</a:t>
+              <a:t>Some client-server communication is not yet working.</a:t>
             </a:r>
           </a:p>
           <a:p>
@@ -11720,28 +11720,21 @@
             <a:pPr lvl="2"/>
             <a:r>
               <a:rPr lang="en-US" dirty="0"/>
-              <a:t>UNM App Contest</a:t>
-            </a:r>
-          </a:p>
-          <a:p>
-            <a:pPr lvl="3"/>
-            <a:r>
-              <a:rPr lang="en-US" dirty="0"/>
               <a:t>Fix issues/bugs</a:t>
             </a:r>
           </a:p>
           <a:p>
-            <a:pPr lvl="3"/>
+            <a:pPr lvl="2"/>
             <a:r>
               <a:rPr lang="en-US" dirty="0"/>
               <a:t>Continue customizing the look and feel of our app</a:t>
             </a:r>
           </a:p>
           <a:p>
-            <a:pPr lvl="3"/>
+            <a:pPr lvl="2"/>
             <a:r>
               <a:rPr lang="en-US" dirty="0"/>
-              <a:t>Have built-in safeguards for Spotify integration</a:t>
+              <a:t>UNM App Contest</a:t>
             </a:r>
           </a:p>
           <a:p>

--- a/docs/presentation/tunefull-presentation-power-point.pptx
+++ b/docs/presentation/tunefull-presentation-power-point.pptx
@@ -1861,7 +1861,7 @@
         <a:lstStyle/>
         <a:p>
           <a:r>
-            <a:rPr lang="en-US"/>
+            <a:rPr lang="en-US" dirty="0"/>
             <a:t>Data model</a:t>
           </a:r>
         </a:p>
@@ -1897,8 +1897,8 @@
         <a:lstStyle/>
         <a:p>
           <a:r>
-            <a:rPr lang="en-US"/>
-            <a:t>Embedded Apache Derby database</a:t>
+            <a:rPr lang="en-US" dirty="0"/>
+            <a:t>Hibernate ORM</a:t>
           </a:r>
         </a:p>
       </dgm:t>
@@ -1925,7 +1925,7 @@
         </a:p>
       </dgm:t>
     </dgm:pt>
-    <dgm:pt modelId="{F397EED6-AAA3-4C05-9767-2F7CE8099F20}">
+    <dgm:pt modelId="{BED92C43-2A59-4D6E-9DC7-07F18B28DB11}">
       <dgm:prSet/>
       <dgm:spPr/>
       <dgm:t>
@@ -1933,79 +1933,7 @@
         <a:lstStyle/>
         <a:p>
           <a:r>
-            <a:rPr lang="en-US"/>
-            <a:t>Hibernate ORM</a:t>
-          </a:r>
-        </a:p>
-      </dgm:t>
-    </dgm:pt>
-    <dgm:pt modelId="{D1381D3B-6A4F-4E30-93B0-1333587D52C4}" type="parTrans" cxnId="{29B64DF5-E0A8-4838-8B9C-0583F4D0FAA6}">
-      <dgm:prSet/>
-      <dgm:spPr/>
-      <dgm:t>
-        <a:bodyPr/>
-        <a:lstStyle/>
-        <a:p>
-          <a:endParaRPr lang="en-US"/>
-        </a:p>
-      </dgm:t>
-    </dgm:pt>
-    <dgm:pt modelId="{E9F45EB8-9EE2-4E45-A705-B8E3942D5DEA}" type="sibTrans" cxnId="{29B64DF5-E0A8-4838-8B9C-0583F4D0FAA6}">
-      <dgm:prSet/>
-      <dgm:spPr/>
-      <dgm:t>
-        <a:bodyPr/>
-        <a:lstStyle/>
-        <a:p>
-          <a:endParaRPr lang="en-US"/>
-        </a:p>
-      </dgm:t>
-    </dgm:pt>
-    <dgm:pt modelId="{9527E4CB-096B-4E27-936A-F8B664BED43F}">
-      <dgm:prSet/>
-      <dgm:spPr/>
-      <dgm:t>
-        <a:bodyPr/>
-        <a:lstStyle/>
-        <a:p>
-          <a:r>
-            <a:rPr lang="en-US"/>
-            <a:t>Custom entity classes</a:t>
-          </a:r>
-        </a:p>
-      </dgm:t>
-    </dgm:pt>
-    <dgm:pt modelId="{EEC64B24-2D40-4922-B8B8-360B3C06EC6F}" type="parTrans" cxnId="{070BD836-BC3A-4CCD-A389-F72E973848A1}">
-      <dgm:prSet/>
-      <dgm:spPr/>
-      <dgm:t>
-        <a:bodyPr/>
-        <a:lstStyle/>
-        <a:p>
-          <a:endParaRPr lang="en-US"/>
-        </a:p>
-      </dgm:t>
-    </dgm:pt>
-    <dgm:pt modelId="{32F6A2F1-593D-4DB9-A533-B80853398649}" type="sibTrans" cxnId="{070BD836-BC3A-4CCD-A389-F72E973848A1}">
-      <dgm:prSet/>
-      <dgm:spPr/>
-      <dgm:t>
-        <a:bodyPr/>
-        <a:lstStyle/>
-        <a:p>
-          <a:endParaRPr lang="en-US"/>
-        </a:p>
-      </dgm:t>
-    </dgm:pt>
-    <dgm:pt modelId="{BED92C43-2A59-4D6E-9DC7-07F18B28DB11}">
-      <dgm:prSet/>
-      <dgm:spPr/>
-      <dgm:t>
-        <a:bodyPr/>
-        <a:lstStyle/>
-        <a:p>
-          <a:r>
-            <a:rPr lang="en-US"/>
+            <a:rPr lang="en-US" dirty="0"/>
             <a:t>Spring Boot Data</a:t>
           </a:r>
         </a:p>
@@ -2407,10 +2335,96 @@
     <dgm:pt modelId="{22D69223-908F-4D79-B2E9-8CE90E31FD2B}" type="parTrans" cxnId="{4F9EEE33-76EA-4E78-9518-D00D1EBE7E30}">
       <dgm:prSet/>
       <dgm:spPr/>
+      <dgm:t>
+        <a:bodyPr/>
+        <a:lstStyle/>
+        <a:p>
+          <a:endParaRPr lang="en-US"/>
+        </a:p>
+      </dgm:t>
     </dgm:pt>
     <dgm:pt modelId="{3C1E40C3-A603-4309-9FFF-068EF36EFCA0}" type="sibTrans" cxnId="{4F9EEE33-76EA-4E78-9518-D00D1EBE7E30}">
       <dgm:prSet/>
       <dgm:spPr/>
+      <dgm:t>
+        <a:bodyPr/>
+        <a:lstStyle/>
+        <a:p>
+          <a:endParaRPr lang="en-US"/>
+        </a:p>
+      </dgm:t>
+    </dgm:pt>
+    <dgm:pt modelId="{1328F17D-B32B-4456-906A-5C7FBD2E604A}">
+      <dgm:prSet/>
+      <dgm:spPr/>
+      <dgm:t>
+        <a:bodyPr/>
+        <a:lstStyle/>
+        <a:p>
+          <a:r>
+            <a:rPr lang="en-US" dirty="0"/>
+            <a:t>Custom entity classes</a:t>
+          </a:r>
+        </a:p>
+      </dgm:t>
+    </dgm:pt>
+    <dgm:pt modelId="{2860217A-A91C-491A-B90B-851C5FADA8D8}" type="parTrans" cxnId="{B0799D4B-3B93-4E6E-AABB-6B3D403B89A5}">
+      <dgm:prSet/>
+      <dgm:spPr/>
+      <dgm:t>
+        <a:bodyPr/>
+        <a:lstStyle/>
+        <a:p>
+          <a:endParaRPr lang="en-US"/>
+        </a:p>
+      </dgm:t>
+    </dgm:pt>
+    <dgm:pt modelId="{033DA4A5-65AD-4C83-9E1E-EB1126AEDD45}" type="sibTrans" cxnId="{B0799D4B-3B93-4E6E-AABB-6B3D403B89A5}">
+      <dgm:prSet/>
+      <dgm:spPr/>
+      <dgm:t>
+        <a:bodyPr/>
+        <a:lstStyle/>
+        <a:p>
+          <a:endParaRPr lang="en-US"/>
+        </a:p>
+      </dgm:t>
+    </dgm:pt>
+    <dgm:pt modelId="{BEBD5914-7AD7-460F-9FFC-1625B4B6E788}">
+      <dgm:prSet/>
+      <dgm:spPr/>
+      <dgm:t>
+        <a:bodyPr/>
+        <a:lstStyle/>
+        <a:p>
+          <a:r>
+            <a:rPr lang="en-US" dirty="0"/>
+            <a:t>Embedded Apache Derby database</a:t>
+          </a:r>
+        </a:p>
+      </dgm:t>
+    </dgm:pt>
+    <dgm:pt modelId="{EC1559BE-90BD-4652-AAC3-0656E0F7F2CD}" type="parTrans" cxnId="{0D85EC14-9CBD-4006-A85D-93E639D81D9A}">
+      <dgm:prSet/>
+      <dgm:spPr/>
+      <dgm:t>
+        <a:bodyPr/>
+        <a:lstStyle/>
+        <a:p>
+          <a:endParaRPr lang="en-US"/>
+        </a:p>
+      </dgm:t>
+    </dgm:pt>
+    <dgm:pt modelId="{4302BA70-9FE6-4E59-9F1D-FFF935B56A62}" type="sibTrans" cxnId="{0D85EC14-9CBD-4006-A85D-93E639D81D9A}">
+      <dgm:prSet/>
+      <dgm:spPr/>
+      <dgm:t>
+        <a:bodyPr/>
+        <a:lstStyle/>
+        <a:p>
+          <a:endParaRPr lang="en-US"/>
+        </a:p>
+      </dgm:t>
     </dgm:pt>
     <dgm:pt modelId="{CB8D3946-99C7-46E8-9B6E-D195C3E9E080}" type="pres">
       <dgm:prSet presAssocID="{B5EFA2BC-75A5-4480-9374-2C5343191386}" presName="linear" presStyleCnt="0">
@@ -2456,26 +2470,25 @@
     <dgm:cxn modelId="{CA638501-7330-4A3E-B0FC-D5CA6D1736D7}" type="presOf" srcId="{B5EFA2BC-75A5-4480-9374-2C5343191386}" destId="{CB8D3946-99C7-46E8-9B6E-D195C3E9E080}" srcOrd="0" destOrd="0" presId="urn:microsoft.com/office/officeart/2005/8/layout/list1"/>
     <dgm:cxn modelId="{D7407107-3F8C-4FF0-87A0-FDC3BD017F6F}" type="presOf" srcId="{8BDF88E2-1634-4BFA-B8EB-318743062F1D}" destId="{377259FD-58E8-44DF-9863-F0FB58F4281C}" srcOrd="0" destOrd="15" presId="urn:microsoft.com/office/officeart/2005/8/layout/list1"/>
     <dgm:cxn modelId="{DB8F2608-69A7-4089-8845-A5AFEDD169A2}" srcId="{B8ADA7A6-5C87-4031-AF80-9C37A3FF172D}" destId="{8BDF88E2-1634-4BFA-B8EB-318743062F1D}" srcOrd="0" destOrd="0" parTransId="{FE99085D-0B9B-4453-A46B-0DD6BB8A26AA}" sibTransId="{EABA39C3-2D9B-465F-9626-5878D9E6BDA3}"/>
-    <dgm:cxn modelId="{15C1B40E-5B83-43DD-B8F8-E0186ECD43A9}" srcId="{E3EB6B4C-ACD4-4FF8-A747-58E1C0FA8ACE}" destId="{947C1A3F-4149-41B3-A733-144B71B40515}" srcOrd="1" destOrd="0" parTransId="{39A25262-4FB0-4891-887D-A43F1E62803A}" sibTransId="{BFA4BA0A-A9AC-4E74-BDC5-94E535141E3D}"/>
+    <dgm:cxn modelId="{15C1B40E-5B83-43DD-B8F8-E0186ECD43A9}" srcId="{E3EB6B4C-ACD4-4FF8-A747-58E1C0FA8ACE}" destId="{947C1A3F-4149-41B3-A733-144B71B40515}" srcOrd="2" destOrd="0" parTransId="{39A25262-4FB0-4891-887D-A43F1E62803A}" sibTransId="{BFA4BA0A-A9AC-4E74-BDC5-94E535141E3D}"/>
     <dgm:cxn modelId="{6790EC11-8A59-44AC-AA6A-EDCE857EE1CB}" srcId="{B8ADA7A6-5C87-4031-AF80-9C37A3FF172D}" destId="{D39B8D9D-454B-4CC4-B1A2-CBB4931DB6D9}" srcOrd="1" destOrd="0" parTransId="{602FB226-CBD1-4177-A7EA-B0CFAA84A612}" sibTransId="{972E8094-3BAF-4239-B1CE-B4EF6F9EEDA5}"/>
+    <dgm:cxn modelId="{0D85EC14-9CBD-4006-A85D-93E639D81D9A}" srcId="{E3EB6B4C-ACD4-4FF8-A747-58E1C0FA8ACE}" destId="{BEBD5914-7AD7-460F-9FFC-1625B4B6E788}" srcOrd="3" destOrd="0" parTransId="{EC1559BE-90BD-4652-AAC3-0656E0F7F2CD}" sibTransId="{4302BA70-9FE6-4E59-9F1D-FFF935B56A62}"/>
     <dgm:cxn modelId="{49C78718-6662-42E4-85A1-DA3EF24BFA6B}" srcId="{E3EB6B4C-ACD4-4FF8-A747-58E1C0FA8ACE}" destId="{A3DD8833-1C58-436A-BE6D-BA5C9D0CC5E9}" srcOrd="5" destOrd="0" parTransId="{CDA9F9C5-E6F4-4A54-83BB-FCE58168658C}" sibTransId="{0E09E533-6F4A-4BF8-A88E-DD87E85BC40D}"/>
     <dgm:cxn modelId="{791AC518-BAC9-41D8-B613-EEAFE7175F3A}" type="presOf" srcId="{620FA83D-FCC4-4134-9B46-4346C4571204}" destId="{377259FD-58E8-44DF-9863-F0FB58F4281C}" srcOrd="0" destOrd="0" presId="urn:microsoft.com/office/officeart/2005/8/layout/list1"/>
     <dgm:cxn modelId="{C3433830-C766-410A-BA9E-BB772CCB7EBE}" srcId="{8FF2E8A7-FC0E-4B72-B031-08558687C1A1}" destId="{FC9473A9-D760-4CCC-97F5-26834F4CB4B8}" srcOrd="3" destOrd="0" parTransId="{A5DAF6F3-BFD1-4541-8F3D-6FA0F0E6E129}" sibTransId="{C9A18DFB-F53B-4161-A909-18124CB87BF4}"/>
     <dgm:cxn modelId="{4F9EEE33-76EA-4E78-9518-D00D1EBE7E30}" srcId="{8FF2E8A7-FC0E-4B72-B031-08558687C1A1}" destId="{5B0FF757-1700-4E34-8925-1B709CC10BE9}" srcOrd="8" destOrd="0" parTransId="{22D69223-908F-4D79-B2E9-8CE90E31FD2B}" sibTransId="{3C1E40C3-A603-4309-9FFF-068EF36EFCA0}"/>
-    <dgm:cxn modelId="{070BD836-BC3A-4CCD-A389-F72E973848A1}" srcId="{E3EB6B4C-ACD4-4FF8-A747-58E1C0FA8ACE}" destId="{9527E4CB-096B-4E27-936A-F8B664BED43F}" srcOrd="3" destOrd="0" parTransId="{EEC64B24-2D40-4922-B8B8-360B3C06EC6F}" sibTransId="{32F6A2F1-593D-4DB9-A533-B80853398649}"/>
     <dgm:cxn modelId="{2585955E-9E9C-447D-B708-8456B38832CF}" srcId="{8FF2E8A7-FC0E-4B72-B031-08558687C1A1}" destId="{E3EB6B4C-ACD4-4FF8-A747-58E1C0FA8ACE}" srcOrd="4" destOrd="0" parTransId="{84A898F5-6340-439C-BD6C-8098680FB91D}" sibTransId="{0C6D417E-6F77-406D-BA67-B03284751612}"/>
     <dgm:cxn modelId="{5D83F642-7F88-4AAB-A91C-CC187E732BAE}" srcId="{D9528798-4DC8-43CE-B71B-1F726F1A5FE6}" destId="{A1D566AC-E059-4635-8AAA-3F2E99CF21BE}" srcOrd="0" destOrd="0" parTransId="{A3612B21-3AA5-4624-9606-CBEA0718D32B}" sibTransId="{3E17B20A-4233-46F6-A51E-01783E3F3840}"/>
     <dgm:cxn modelId="{CBBEF666-C9B6-46F4-B3F0-4210D2C7D31C}" srcId="{8FF2E8A7-FC0E-4B72-B031-08558687C1A1}" destId="{B8ADA7A6-5C87-4031-AF80-9C37A3FF172D}" srcOrd="6" destOrd="0" parTransId="{8F8EE6FF-05D1-438B-9321-7FACC6080A27}" sibTransId="{6437EE3E-626B-487A-9ECB-DB70A9FE2504}"/>
     <dgm:cxn modelId="{2ECE7A68-DD58-4ACD-BE83-D7F088917EF0}" type="presOf" srcId="{E220FD18-BD29-4FE0-B596-68F7B0C5B398}" destId="{377259FD-58E8-44DF-9863-F0FB58F4281C}" srcOrd="0" destOrd="1" presId="urn:microsoft.com/office/officeart/2005/8/layout/list1"/>
     <dgm:cxn modelId="{07F0E348-A2C3-4EAC-93AC-E102883F556D}" srcId="{8FF2E8A7-FC0E-4B72-B031-08558687C1A1}" destId="{EB8567EF-A9C3-471A-A31D-2B04F76A221F}" srcOrd="2" destOrd="0" parTransId="{AAA706A5-C95A-4946-B87C-AE23DFF2D248}" sibTransId="{ADE90933-E2DE-42A3-8441-1DCC4B0C5749}"/>
     <dgm:cxn modelId="{AC3BC06A-2D77-4D17-A523-E0F68E8F48DF}" type="presOf" srcId="{A1D566AC-E059-4635-8AAA-3F2E99CF21BE}" destId="{377259FD-58E8-44DF-9863-F0FB58F4281C}" srcOrd="0" destOrd="12" presId="urn:microsoft.com/office/officeart/2005/8/layout/list1"/>
-    <dgm:cxn modelId="{83E0CB4A-1F1F-474D-865A-FD582F458686}" type="presOf" srcId="{9527E4CB-096B-4E27-936A-F8B664BED43F}" destId="{377259FD-58E8-44DF-9863-F0FB58F4281C}" srcOrd="0" destOrd="8" presId="urn:microsoft.com/office/officeart/2005/8/layout/list1"/>
+    <dgm:cxn modelId="{B0799D4B-3B93-4E6E-AABB-6B3D403B89A5}" srcId="{E3EB6B4C-ACD4-4FF8-A747-58E1C0FA8ACE}" destId="{1328F17D-B32B-4456-906A-5C7FBD2E604A}" srcOrd="1" destOrd="0" parTransId="{2860217A-A91C-491A-B90B-851C5FADA8D8}" sibTransId="{033DA4A5-65AD-4C83-9E1E-EB1126AEDD45}"/>
     <dgm:cxn modelId="{3355AD6B-0994-4150-BC8E-96E2BB74116A}" type="presOf" srcId="{D39B8D9D-454B-4CC4-B1A2-CBB4931DB6D9}" destId="{377259FD-58E8-44DF-9863-F0FB58F4281C}" srcOrd="0" destOrd="16" presId="urn:microsoft.com/office/officeart/2005/8/layout/list1"/>
     <dgm:cxn modelId="{AF20904C-6D96-45BF-B0D9-D8CD0C48CD6B}" srcId="{8FF2E8A7-FC0E-4B72-B031-08558687C1A1}" destId="{D9528798-4DC8-43CE-B71B-1F726F1A5FE6}" srcOrd="5" destOrd="0" parTransId="{955F21EE-FD4A-46A6-8A6B-730634134F0A}" sibTransId="{A26170C9-9E33-4929-AA48-1E1ACFC179B3}"/>
     <dgm:cxn modelId="{BD31B36E-18F7-46FF-BDFB-368F3496D114}" type="presOf" srcId="{D9528798-4DC8-43CE-B71B-1F726F1A5FE6}" destId="{377259FD-58E8-44DF-9863-F0FB58F4281C}" srcOrd="0" destOrd="11" presId="urn:microsoft.com/office/officeart/2005/8/layout/list1"/>
     <dgm:cxn modelId="{6F5C5E74-E506-4CAB-88B2-369E4755D67B}" srcId="{5B2F772A-E1F0-4628-A378-11425C32DF9E}" destId="{E97D49D7-6D75-4842-8A39-5E2F9B3E5F5F}" srcOrd="0" destOrd="0" parTransId="{1E1297A9-30CF-4A63-B0CC-ABE2ACA40D29}" sibTransId="{5A0ABC00-5F3D-4EB1-AD34-66443F70AFC4}"/>
-    <dgm:cxn modelId="{2BFE2458-1DD3-4D56-A6F8-817578E8B559}" type="presOf" srcId="{947C1A3F-4149-41B3-A733-144B71B40515}" destId="{377259FD-58E8-44DF-9863-F0FB58F4281C}" srcOrd="0" destOrd="6" presId="urn:microsoft.com/office/officeart/2005/8/layout/list1"/>
-    <dgm:cxn modelId="{C5C3FA58-B8F1-4A6E-BCFF-66F35DE9C851}" type="presOf" srcId="{F397EED6-AAA3-4C05-9767-2F7CE8099F20}" destId="{377259FD-58E8-44DF-9863-F0FB58F4281C}" srcOrd="0" destOrd="7" presId="urn:microsoft.com/office/officeart/2005/8/layout/list1"/>
+    <dgm:cxn modelId="{2BFE2458-1DD3-4D56-A6F8-817578E8B559}" type="presOf" srcId="{947C1A3F-4149-41B3-A733-144B71B40515}" destId="{377259FD-58E8-44DF-9863-F0FB58F4281C}" srcOrd="0" destOrd="7" presId="urn:microsoft.com/office/officeart/2005/8/layout/list1"/>
     <dgm:cxn modelId="{32E3347D-77EE-481F-A9CA-9DC1AF7774CD}" type="presOf" srcId="{E97D49D7-6D75-4842-8A39-5E2F9B3E5F5F}" destId="{377259FD-58E8-44DF-9863-F0FB58F4281C}" srcOrd="0" destOrd="18" presId="urn:microsoft.com/office/officeart/2005/8/layout/list1"/>
     <dgm:cxn modelId="{6D7C3381-881A-4886-83B8-77233D65AB0C}" type="presOf" srcId="{7FCD4BEC-C89E-46FD-B324-100937233D41}" destId="{377259FD-58E8-44DF-9863-F0FB58F4281C}" srcOrd="0" destOrd="13" presId="urn:microsoft.com/office/officeart/2005/8/layout/list1"/>
     <dgm:cxn modelId="{59700985-1767-4A6E-B862-8403DC30029B}" type="presOf" srcId="{8FF2E8A7-FC0E-4B72-B031-08558687C1A1}" destId="{A785995C-91C2-4A3A-8655-557649D2D94E}" srcOrd="0" destOrd="0" presId="urn:microsoft.com/office/officeart/2005/8/layout/list1"/>
@@ -2487,6 +2500,7 @@
     <dgm:cxn modelId="{F30CCFA4-C558-477F-BCAF-15469B2384BC}" type="presOf" srcId="{FC9473A9-D760-4CCC-97F5-26834F4CB4B8}" destId="{377259FD-58E8-44DF-9863-F0FB58F4281C}" srcOrd="0" destOrd="3" presId="urn:microsoft.com/office/officeart/2005/8/layout/list1"/>
     <dgm:cxn modelId="{B40D2FA5-49D4-44F9-AB1D-601E3B5EA6E7}" type="presOf" srcId="{E3EB6B4C-ACD4-4FF8-A747-58E1C0FA8ACE}" destId="{377259FD-58E8-44DF-9863-F0FB58F4281C}" srcOrd="0" destOrd="4" presId="urn:microsoft.com/office/officeart/2005/8/layout/list1"/>
     <dgm:cxn modelId="{C937B0B0-EA1F-408B-A205-15CAE28B945C}" type="presOf" srcId="{EB8567EF-A9C3-471A-A31D-2B04F76A221F}" destId="{377259FD-58E8-44DF-9863-F0FB58F4281C}" srcOrd="0" destOrd="2" presId="urn:microsoft.com/office/officeart/2005/8/layout/list1"/>
+    <dgm:cxn modelId="{0C4AB9B2-E5E4-488F-A078-68B8F56E0DE3}" type="presOf" srcId="{BEBD5914-7AD7-460F-9FFC-1625B4B6E788}" destId="{377259FD-58E8-44DF-9863-F0FB58F4281C}" srcOrd="0" destOrd="8" presId="urn:microsoft.com/office/officeart/2005/8/layout/list1"/>
     <dgm:cxn modelId="{EF9D78B7-5529-404E-A887-311B108AA1AF}" type="presOf" srcId="{BED92C43-2A59-4D6E-9DC7-07F18B28DB11}" destId="{377259FD-58E8-44DF-9863-F0FB58F4281C}" srcOrd="0" destOrd="9" presId="urn:microsoft.com/office/officeart/2005/8/layout/list1"/>
     <dgm:cxn modelId="{6E508FBB-7E6D-4703-861A-ACAC982E4002}" srcId="{E3EB6B4C-ACD4-4FF8-A747-58E1C0FA8ACE}" destId="{BED92C43-2A59-4D6E-9DC7-07F18B28DB11}" srcOrd="4" destOrd="0" parTransId="{A6EF23EE-0EA5-4E65-90E3-A8EE53C4AF48}" sibTransId="{412508F5-AC2B-477B-B3B9-1BD1C01BA9FD}"/>
     <dgm:cxn modelId="{FA0F3FC2-36FD-49D8-A1D4-8EF0CDDB5CEC}" srcId="{D9528798-4DC8-43CE-B71B-1F726F1A5FE6}" destId="{7FCD4BEC-C89E-46FD-B324-100937233D41}" srcOrd="1" destOrd="0" parTransId="{90203451-A124-48E1-AEE1-525B50FE6D45}" sibTransId="{23707330-1388-488C-BE22-A82C153D8032}"/>
@@ -2494,10 +2508,10 @@
     <dgm:cxn modelId="{300BEED1-E500-4912-83E4-22A4EF4E27F6}" srcId="{8FF2E8A7-FC0E-4B72-B031-08558687C1A1}" destId="{5B2F772A-E1F0-4628-A378-11425C32DF9E}" srcOrd="7" destOrd="0" parTransId="{B4B4DE66-BFFA-4903-964D-F33C019EE46E}" sibTransId="{06FF5298-774A-4C84-A7FA-DEFECD71200B}"/>
     <dgm:cxn modelId="{A99C76DC-B1B0-48D0-839A-749FA5C08536}" type="presOf" srcId="{5DFD099D-EF23-4582-B79D-AA991C4357BA}" destId="{377259FD-58E8-44DF-9863-F0FB58F4281C}" srcOrd="0" destOrd="5" presId="urn:microsoft.com/office/officeart/2005/8/layout/list1"/>
     <dgm:cxn modelId="{034D72DF-B931-4E06-A672-A828CED2B92C}" srcId="{5B2F772A-E1F0-4628-A378-11425C32DF9E}" destId="{7B330DDB-64C2-48C1-B254-F6468BD37652}" srcOrd="1" destOrd="0" parTransId="{6CBB32A3-713D-468B-B00D-4B1C815C9F21}" sibTransId="{C4C977FE-0E72-431E-A131-4AB05FCB9983}"/>
+    <dgm:cxn modelId="{3FB341E1-8B2A-4949-979F-E6F5E3CF9441}" type="presOf" srcId="{1328F17D-B32B-4456-906A-5C7FBD2E604A}" destId="{377259FD-58E8-44DF-9863-F0FB58F4281C}" srcOrd="0" destOrd="6" presId="urn:microsoft.com/office/officeart/2005/8/layout/list1"/>
     <dgm:cxn modelId="{DADB34E7-030B-4EE9-85F8-79C5D14582EC}" type="presOf" srcId="{A3DD8833-1C58-436A-BE6D-BA5C9D0CC5E9}" destId="{377259FD-58E8-44DF-9863-F0FB58F4281C}" srcOrd="0" destOrd="10" presId="urn:microsoft.com/office/officeart/2005/8/layout/list1"/>
     <dgm:cxn modelId="{5CA2CDEA-CB39-4950-8587-C84C4D4D37D1}" type="presOf" srcId="{8FF2E8A7-FC0E-4B72-B031-08558687C1A1}" destId="{011AE3D1-2EF7-460F-8F34-1858457FB61D}" srcOrd="1" destOrd="0" presId="urn:microsoft.com/office/officeart/2005/8/layout/list1"/>
     <dgm:cxn modelId="{31A3A6EC-FA7B-4E33-8983-B038E5633A64}" srcId="{B5EFA2BC-75A5-4480-9374-2C5343191386}" destId="{8FF2E8A7-FC0E-4B72-B031-08558687C1A1}" srcOrd="0" destOrd="0" parTransId="{F110DCC3-33D7-4E47-B8EC-C4120B0AE631}" sibTransId="{19890207-57FA-4C42-BA1C-66EB69ACD6E3}"/>
-    <dgm:cxn modelId="{29B64DF5-E0A8-4838-8B9C-0583F4D0FAA6}" srcId="{E3EB6B4C-ACD4-4FF8-A747-58E1C0FA8ACE}" destId="{F397EED6-AAA3-4C05-9767-2F7CE8099F20}" srcOrd="2" destOrd="0" parTransId="{D1381D3B-6A4F-4E30-93B0-1333587D52C4}" sibTransId="{E9F45EB8-9EE2-4E45-A705-B8E3942D5DEA}"/>
     <dgm:cxn modelId="{A14764FE-20A4-4334-B022-CCD43A83200D}" srcId="{8FF2E8A7-FC0E-4B72-B031-08558687C1A1}" destId="{E220FD18-BD29-4FE0-B596-68F7B0C5B398}" srcOrd="1" destOrd="0" parTransId="{4721390B-4669-406E-A279-9B1F9FDBBDF3}" sibTransId="{57A276A6-858D-4B12-B5EE-FBD88EE09C7B}"/>
     <dgm:cxn modelId="{CC3EE3EF-6DED-4779-9209-DF5C458F2F8E}" type="presParOf" srcId="{CB8D3946-99C7-46E8-9B6E-D195C3E9E080}" destId="{85462F21-B835-4219-BD2D-05EB99A3B818}" srcOrd="0" destOrd="0" presId="urn:microsoft.com/office/officeart/2005/8/layout/list1"/>
     <dgm:cxn modelId="{CE43DB5A-4F9F-4BA1-A531-5E631813B6F8}" type="presParOf" srcId="{85462F21-B835-4219-BD2D-05EB99A3B818}" destId="{A785995C-91C2-4A3A-8655-557649D2D94E}" srcOrd="0" destOrd="0" presId="urn:microsoft.com/office/officeart/2005/8/layout/list1"/>
@@ -2677,43 +2691,6 @@
         </a:p>
       </dgm:t>
     </dgm:pt>
-    <dgm:pt modelId="{985C74E2-A1C4-43C2-81F8-230036E57487}">
-      <dgm:prSet/>
-      <dgm:spPr/>
-      <dgm:t>
-        <a:bodyPr/>
-        <a:lstStyle/>
-        <a:p>
-          <a:r>
-            <a:rPr lang="en-US" dirty="0" err="1"/>
-            <a:t>ReactiveX</a:t>
-          </a:r>
-          <a:endParaRPr lang="en-US" dirty="0"/>
-        </a:p>
-      </dgm:t>
-    </dgm:pt>
-    <dgm:pt modelId="{A2923D43-BDBD-45FF-9B13-49BAE844A40A}" type="parTrans" cxnId="{9D2D8ADF-7331-4BF7-8160-169B7F71592B}">
-      <dgm:prSet/>
-      <dgm:spPr/>
-      <dgm:t>
-        <a:bodyPr/>
-        <a:lstStyle/>
-        <a:p>
-          <a:endParaRPr lang="en-US"/>
-        </a:p>
-      </dgm:t>
-    </dgm:pt>
-    <dgm:pt modelId="{EAEAD7D2-43AF-4B0F-8C22-F16A2C755763}" type="sibTrans" cxnId="{9D2D8ADF-7331-4BF7-8160-169B7F71592B}">
-      <dgm:prSet/>
-      <dgm:spPr/>
-      <dgm:t>
-        <a:bodyPr/>
-        <a:lstStyle/>
-        <a:p>
-          <a:endParaRPr lang="en-US"/>
-        </a:p>
-      </dgm:t>
-    </dgm:pt>
     <dgm:pt modelId="{C9BEA529-53CC-48CD-8147-3B5339B8B2F9}">
       <dgm:prSet/>
       <dgm:spPr/>
@@ -3421,6 +3398,43 @@
         </a:p>
       </dgm:t>
     </dgm:pt>
+    <dgm:pt modelId="{CCB4B951-BB5A-4BF2-AD09-19EB4E67F0DB}">
+      <dgm:prSet/>
+      <dgm:spPr/>
+      <dgm:t>
+        <a:bodyPr/>
+        <a:lstStyle/>
+        <a:p>
+          <a:r>
+            <a:rPr lang="en-US" dirty="0" err="1"/>
+            <a:t>ReactiveX</a:t>
+          </a:r>
+          <a:endParaRPr lang="en-US" dirty="0"/>
+        </a:p>
+      </dgm:t>
+    </dgm:pt>
+    <dgm:pt modelId="{8338D9B3-C2BE-42D8-8CD3-7D8E6E22217F}" type="parTrans" cxnId="{DFD20E75-036C-4CB5-A79A-C24BE7F0DDD0}">
+      <dgm:prSet/>
+      <dgm:spPr/>
+      <dgm:t>
+        <a:bodyPr/>
+        <a:lstStyle/>
+        <a:p>
+          <a:endParaRPr lang="en-US"/>
+        </a:p>
+      </dgm:t>
+    </dgm:pt>
+    <dgm:pt modelId="{ACB81CB5-513B-4C87-902E-27019C96D5EA}" type="sibTrans" cxnId="{DFD20E75-036C-4CB5-A79A-C24BE7F0DDD0}">
+      <dgm:prSet/>
+      <dgm:spPr/>
+      <dgm:t>
+        <a:bodyPr/>
+        <a:lstStyle/>
+        <a:p>
+          <a:endParaRPr lang="en-US"/>
+        </a:p>
+      </dgm:t>
+    </dgm:pt>
     <dgm:pt modelId="{CB8D3946-99C7-46E8-9B6E-D195C3E9E080}" type="pres">
       <dgm:prSet presAssocID="{B5EFA2BC-75A5-4480-9374-2C5343191386}" presName="linear" presStyleCnt="0">
         <dgm:presLayoutVars>
@@ -3465,7 +3479,7 @@
     <dgm:cxn modelId="{CA638501-7330-4A3E-B0FC-D5CA6D1736D7}" type="presOf" srcId="{B5EFA2BC-75A5-4480-9374-2C5343191386}" destId="{CB8D3946-99C7-46E8-9B6E-D195C3E9E080}" srcOrd="0" destOrd="0" presId="urn:microsoft.com/office/officeart/2005/8/layout/list1"/>
     <dgm:cxn modelId="{9C829801-CCAE-44AD-BA83-D24B09029CF0}" type="presOf" srcId="{B696309E-C80F-4178-96B0-F36AC4A07F42}" destId="{377259FD-58E8-44DF-9863-F0FB58F4281C}" srcOrd="0" destOrd="21" presId="urn:microsoft.com/office/officeart/2005/8/layout/list1"/>
     <dgm:cxn modelId="{1D72A702-ECF6-4C40-928B-C64379171B1A}" srcId="{E012436F-C8E1-435F-85BC-F71BFED7D3B1}" destId="{3DE729D4-2BFF-413D-8977-5922EAAF86B3}" srcOrd="1" destOrd="0" parTransId="{E7F94511-E07C-458B-AC18-2E47B2AB3B9D}" sibTransId="{CF9B8610-D794-4708-A4AB-C770C369B4BF}"/>
-    <dgm:cxn modelId="{6FB68607-62DA-4E54-A297-BB08B7CBF6F0}" type="presOf" srcId="{C9BEA529-53CC-48CD-8147-3B5339B8B2F9}" destId="{377259FD-58E8-44DF-9863-F0FB58F4281C}" srcOrd="0" destOrd="4" presId="urn:microsoft.com/office/officeart/2005/8/layout/list1"/>
+    <dgm:cxn modelId="{6FB68607-62DA-4E54-A297-BB08B7CBF6F0}" type="presOf" srcId="{C9BEA529-53CC-48CD-8147-3B5339B8B2F9}" destId="{377259FD-58E8-44DF-9863-F0FB58F4281C}" srcOrd="0" destOrd="3" presId="urn:microsoft.com/office/officeart/2005/8/layout/list1"/>
     <dgm:cxn modelId="{3814720C-BF25-4633-BB20-97E0145FAEDE}" srcId="{8FF2E8A7-FC0E-4B72-B031-08558687C1A1}" destId="{85F8D778-4C05-4387-A5B7-01C5AB6B75CF}" srcOrd="6" destOrd="0" parTransId="{3A63F837-72FB-4193-B8EC-787895BB66A6}" sibTransId="{92A76FCF-D777-469A-8F58-505E88720DD8}"/>
     <dgm:cxn modelId="{8A412F0F-11F6-4957-A2F7-293989DBDA32}" type="presOf" srcId="{85F8D778-4C05-4387-A5B7-01C5AB6B75CF}" destId="{377259FD-58E8-44DF-9863-F0FB58F4281C}" srcOrd="0" destOrd="18" presId="urn:microsoft.com/office/officeart/2005/8/layout/list1"/>
     <dgm:cxn modelId="{BEE3A80F-BACF-4F8B-8FE4-2F236D184533}" type="presOf" srcId="{42AC8A35-1A68-4090-96CA-0C41CAA55B05}" destId="{377259FD-58E8-44DF-9863-F0FB58F4281C}" srcOrd="0" destOrd="14" presId="urn:microsoft.com/office/officeart/2005/8/layout/list1"/>
@@ -3476,14 +3490,14 @@
     <dgm:cxn modelId="{E0AABD27-B8E3-45CA-AB67-546CA8056077}" srcId="{85F8D778-4C05-4387-A5B7-01C5AB6B75CF}" destId="{4F637EDB-6A7D-430B-A42D-5F2103A1EE42}" srcOrd="1" destOrd="0" parTransId="{C54F28E3-E526-4910-8489-E2B266594FF8}" sibTransId="{11C35F56-D557-44B9-86B1-EA967E9F7143}"/>
     <dgm:cxn modelId="{1850972E-9636-474E-ADA1-B5318B9582C5}" type="presOf" srcId="{6DA9D565-8E87-4DA8-9EE1-1DDFCE67A265}" destId="{377259FD-58E8-44DF-9863-F0FB58F4281C}" srcOrd="0" destOrd="13" presId="urn:microsoft.com/office/officeart/2005/8/layout/list1"/>
     <dgm:cxn modelId="{3C75E63B-97D6-4B85-B46C-D7E8A12F97F7}" srcId="{8FF2E8A7-FC0E-4B72-B031-08558687C1A1}" destId="{7B9FD3B2-4AF3-44EE-B02E-A654DBF6F0B3}" srcOrd="2" destOrd="0" parTransId="{B1452AC1-E16F-40F0-BA59-C42CDC7FF420}" sibTransId="{685C4BAB-76EA-44AB-B86E-44E87238AD4C}"/>
-    <dgm:cxn modelId="{F6A51866-31EB-49F1-9696-55712A9EC88C}" type="presOf" srcId="{985C74E2-A1C4-43C2-81F8-230036E57487}" destId="{377259FD-58E8-44DF-9863-F0FB58F4281C}" srcOrd="0" destOrd="3" presId="urn:microsoft.com/office/officeart/2005/8/layout/list1"/>
     <dgm:cxn modelId="{402A4367-BE3B-4BA2-8398-AE7C12FCE290}" type="presOf" srcId="{5E460762-2525-46E4-84C2-38D7B339DA7D}" destId="{377259FD-58E8-44DF-9863-F0FB58F4281C}" srcOrd="0" destOrd="1" presId="urn:microsoft.com/office/officeart/2005/8/layout/list1"/>
     <dgm:cxn modelId="{CDBDE06D-DB52-4DF1-B544-E6F8825B4CFD}" srcId="{85F8D778-4C05-4387-A5B7-01C5AB6B75CF}" destId="{B696309E-C80F-4178-96B0-F36AC4A07F42}" srcOrd="2" destOrd="0" parTransId="{40A64294-E760-4341-9225-F16455E05050}" sibTransId="{E29509C9-183E-45E2-A315-0A174498717F}"/>
     <dgm:cxn modelId="{8D97F56E-4ABE-42B7-AA4C-215004BCB824}" type="presOf" srcId="{8B7E03A9-EC86-4575-B897-8CB20526C237}" destId="{377259FD-58E8-44DF-9863-F0FB58F4281C}" srcOrd="0" destOrd="22" presId="urn:microsoft.com/office/officeart/2005/8/layout/list1"/>
     <dgm:cxn modelId="{0E1AD56F-A92D-4121-A273-E72978CA8F02}" srcId="{85F8D778-4C05-4387-A5B7-01C5AB6B75CF}" destId="{E2D34F09-21E8-4F94-8827-27253B935FEB}" srcOrd="0" destOrd="0" parTransId="{FB74BE8D-328C-447E-ADC6-8C11CF8F34AF}" sibTransId="{A8760CD1-5F95-4522-84B3-9E1A21AFCD89}"/>
     <dgm:cxn modelId="{3C17CC71-2EF4-4E25-A069-4A9F798ED5FB}" srcId="{8FF2E8A7-FC0E-4B72-B031-08558687C1A1}" destId="{5E63F6EE-F37D-4A21-B2A2-018524B34CD3}" srcOrd="3" destOrd="0" parTransId="{ACA1261B-840E-434F-86EF-B8A01A8CE6D7}" sibTransId="{154FE270-ED76-40B2-BCFC-736ED9FE451D}"/>
-    <dgm:cxn modelId="{AF889052-287D-4474-858C-9CF6CAC977A7}" srcId="{5E460762-2525-46E4-84C2-38D7B339DA7D}" destId="{C9BEA529-53CC-48CD-8147-3B5339B8B2F9}" srcOrd="2" destOrd="0" parTransId="{03C1630F-9529-4A0A-B854-170790BBA638}" sibTransId="{8A82E192-D6F3-49EC-AB94-34FC6632908B}"/>
+    <dgm:cxn modelId="{AF889052-287D-4474-858C-9CF6CAC977A7}" srcId="{5E460762-2525-46E4-84C2-38D7B339DA7D}" destId="{C9BEA529-53CC-48CD-8147-3B5339B8B2F9}" srcOrd="1" destOrd="0" parTransId="{03C1630F-9529-4A0A-B854-170790BBA638}" sibTransId="{8A82E192-D6F3-49EC-AB94-34FC6632908B}"/>
     <dgm:cxn modelId="{6B495874-0189-4149-8982-1E49AACA6EA1}" srcId="{8FF2E8A7-FC0E-4B72-B031-08558687C1A1}" destId="{E012436F-C8E1-435F-85BC-F71BFED7D3B1}" srcOrd="5" destOrd="0" parTransId="{08494B70-0337-4575-9FF2-B73D3462A624}" sibTransId="{9A960C26-C415-418D-BBD7-944654E05E33}"/>
+    <dgm:cxn modelId="{DFD20E75-036C-4CB5-A79A-C24BE7F0DDD0}" srcId="{5E460762-2525-46E4-84C2-38D7B339DA7D}" destId="{CCB4B951-BB5A-4BF2-AD09-19EB4E67F0DB}" srcOrd="2" destOrd="0" parTransId="{8338D9B3-C2BE-42D8-8CD3-7D8E6E22217F}" sibTransId="{ACB81CB5-513B-4C87-902E-27019C96D5EA}"/>
     <dgm:cxn modelId="{7CAD8655-200D-42B0-90A5-5BA6A6CA1137}" type="presOf" srcId="{E2D34F09-21E8-4F94-8827-27253B935FEB}" destId="{377259FD-58E8-44DF-9863-F0FB58F4281C}" srcOrd="0" destOrd="19" presId="urn:microsoft.com/office/officeart/2005/8/layout/list1"/>
     <dgm:cxn modelId="{60AE4478-E64E-439D-82CC-5ED119E8913D}" type="presOf" srcId="{9BBFCCCC-3D95-43E6-B6E5-9CF9208CD3A3}" destId="{377259FD-58E8-44DF-9863-F0FB58F4281C}" srcOrd="0" destOrd="9" presId="urn:microsoft.com/office/officeart/2005/8/layout/list1"/>
     <dgm:cxn modelId="{9C625778-8482-4A18-A835-5778F37E163F}" srcId="{E012436F-C8E1-435F-85BC-F71BFED7D3B1}" destId="{6D510053-BAD9-45D1-8830-968B4686B090}" srcOrd="0" destOrd="0" parTransId="{707B4537-1ABB-4BF5-8FFC-5E3DA1B471AE}" sibTransId="{72A42E77-021C-445B-AF04-3593E1AABCDF}"/>
@@ -3504,7 +3518,7 @@
     <dgm:cxn modelId="{6A49C7B9-EBAC-42A1-89B3-22A08A43923E}" type="presOf" srcId="{E012436F-C8E1-435F-85BC-F71BFED7D3B1}" destId="{377259FD-58E8-44DF-9863-F0FB58F4281C}" srcOrd="0" destOrd="15" presId="urn:microsoft.com/office/officeart/2005/8/layout/list1"/>
     <dgm:cxn modelId="{5102F9BE-0C70-4943-8FDB-AA6B5E296B97}" type="presOf" srcId="{5E63F6EE-F37D-4A21-B2A2-018524B34CD3}" destId="{377259FD-58E8-44DF-9863-F0FB58F4281C}" srcOrd="0" destOrd="8" presId="urn:microsoft.com/office/officeart/2005/8/layout/list1"/>
     <dgm:cxn modelId="{56A780C7-F182-44E7-BDCC-C2A7057A9138}" type="presOf" srcId="{59D835B0-541B-4C44-B90A-DE8E82648168}" destId="{377259FD-58E8-44DF-9863-F0FB58F4281C}" srcOrd="0" destOrd="10" presId="urn:microsoft.com/office/officeart/2005/8/layout/list1"/>
-    <dgm:cxn modelId="{9D2D8ADF-7331-4BF7-8160-169B7F71592B}" srcId="{5E460762-2525-46E4-84C2-38D7B339DA7D}" destId="{985C74E2-A1C4-43C2-81F8-230036E57487}" srcOrd="1" destOrd="0" parTransId="{A2923D43-BDBD-45FF-9B13-49BAE844A40A}" sibTransId="{EAEAD7D2-43AF-4B0F-8C22-F16A2C755763}"/>
+    <dgm:cxn modelId="{721E99DB-AE85-434E-8EB5-8F16FCFE306F}" type="presOf" srcId="{CCB4B951-BB5A-4BF2-AD09-19EB4E67F0DB}" destId="{377259FD-58E8-44DF-9863-F0FB58F4281C}" srcOrd="0" destOrd="4" presId="urn:microsoft.com/office/officeart/2005/8/layout/list1"/>
     <dgm:cxn modelId="{E1C4AAE6-22C1-4081-9507-58089FCFF1BB}" type="presOf" srcId="{EE23BD92-3982-45C9-BD2B-146B5609CF6B}" destId="{377259FD-58E8-44DF-9863-F0FB58F4281C}" srcOrd="0" destOrd="12" presId="urn:microsoft.com/office/officeart/2005/8/layout/list1"/>
     <dgm:cxn modelId="{5CA2CDEA-CB39-4950-8587-C84C4D4D37D1}" type="presOf" srcId="{8FF2E8A7-FC0E-4B72-B031-08558687C1A1}" destId="{011AE3D1-2EF7-460F-8F34-1858457FB61D}" srcOrd="1" destOrd="0" presId="urn:microsoft.com/office/officeart/2005/8/layout/list1"/>
     <dgm:cxn modelId="{7E3055EB-402A-4E0B-A49D-404DBAB5806B}" type="presOf" srcId="{3DE729D4-2BFF-413D-8977-5922EAAF86B3}" destId="{377259FD-58E8-44DF-9863-F0FB58F4281C}" srcOrd="0" destOrd="17" presId="urn:microsoft.com/office/officeart/2005/8/layout/list1"/>
@@ -3692,7 +3706,7 @@
             <a:buChar char="•"/>
           </a:pPr>
           <a:r>
-            <a:rPr lang="en-US" sz="1200" kern="1200"/>
+            <a:rPr lang="en-US" sz="1200" kern="1200" dirty="0"/>
             <a:t>Data model</a:t>
           </a:r>
         </a:p>
@@ -3710,8 +3724,8 @@
             <a:buChar char="•"/>
           </a:pPr>
           <a:r>
-            <a:rPr lang="en-US" sz="1200" kern="1200"/>
-            <a:t>Embedded Apache Derby database</a:t>
+            <a:rPr lang="en-US" sz="1200" kern="1200" dirty="0"/>
+            <a:t>Custom entity classes</a:t>
           </a:r>
         </a:p>
         <a:p>
@@ -3728,7 +3742,7 @@
             <a:buChar char="•"/>
           </a:pPr>
           <a:r>
-            <a:rPr lang="en-US" sz="1200" kern="1200"/>
+            <a:rPr lang="en-US" sz="1200" kern="1200" dirty="0"/>
             <a:t>Hibernate ORM</a:t>
           </a:r>
         </a:p>
@@ -3746,8 +3760,8 @@
             <a:buChar char="•"/>
           </a:pPr>
           <a:r>
-            <a:rPr lang="en-US" sz="1200" kern="1200"/>
-            <a:t>Custom entity classes</a:t>
+            <a:rPr lang="en-US" sz="1200" kern="1200" dirty="0"/>
+            <a:t>Embedded Apache Derby database</a:t>
           </a:r>
         </a:p>
         <a:p>
@@ -3764,7 +3778,7 @@
             <a:buChar char="•"/>
           </a:pPr>
           <a:r>
-            <a:rPr lang="en-US" sz="1200" kern="1200"/>
+            <a:rPr lang="en-US" sz="1200" kern="1200" dirty="0"/>
             <a:t>Spring Boot Data</a:t>
           </a:r>
         </a:p>
@@ -4174,7 +4188,7 @@
           </a:pPr>
           <a:r>
             <a:rPr lang="en-US" sz="1100" kern="1200" dirty="0" err="1"/>
-            <a:t>ReactiveX</a:t>
+            <a:t>Gson</a:t>
           </a:r>
           <a:endParaRPr lang="en-US" sz="1100" kern="1200" dirty="0"/>
         </a:p>
@@ -4193,7 +4207,7 @@
           </a:pPr>
           <a:r>
             <a:rPr lang="en-US" sz="1100" kern="1200" dirty="0" err="1"/>
-            <a:t>Gson</a:t>
+            <a:t>ReactiveX</a:t>
           </a:r>
           <a:endParaRPr lang="en-US" sz="1100" kern="1200" dirty="0"/>
         </a:p>
@@ -11727,14 +11741,14 @@
             <a:pPr lvl="2"/>
             <a:r>
               <a:rPr lang="en-US" dirty="0"/>
-              <a:t>Continue customizing the look and feel of our app</a:t>
+              <a:t>UNM App Contest</a:t>
             </a:r>
           </a:p>
           <a:p>
             <a:pPr lvl="2"/>
             <a:r>
               <a:rPr lang="en-US" dirty="0"/>
-              <a:t>UNM App Contest</a:t>
+              <a:t>Continue customizing the look and feel of our app</a:t>
             </a:r>
           </a:p>
           <a:p>
@@ -12544,10 +12558,10 @@
       </p:sp>
       <p:pic>
         <p:nvPicPr>
-          <p:cNvPr id="5" name="Picture 4" descr="Logo&#10;&#10;Description automatically generated">
+          <p:cNvPr id="6" name="Picture 5" descr="A close up of a sign&#10;&#10;Description automatically generated">
             <a:extLst>
               <a:ext uri="{FF2B5EF4-FFF2-40B4-BE49-F238E27FC236}">
-                <a16:creationId xmlns:a16="http://schemas.microsoft.com/office/drawing/2014/main" id="{CB12713B-5962-4C6C-92DF-8342227727A0}"/>
+                <a16:creationId xmlns:a16="http://schemas.microsoft.com/office/drawing/2014/main" id="{2EA49E79-9C6B-49A5-A7E0-CB1B60B2A29D}"/>
               </a:ext>
             </a:extLst>
           </p:cNvPr>
@@ -12570,8 +12584,8 @@
         </p:blipFill>
         <p:spPr>
           <a:xfrm>
-            <a:off x="6233160" y="2118995"/>
-            <a:ext cx="2293620" cy="2293620"/>
+            <a:off x="4445950" y="1880529"/>
+            <a:ext cx="5501747" cy="2609258"/>
           </a:xfrm>
           <a:prstGeom prst="rect">
             <a:avLst/>
@@ -12995,7 +13009,7 @@
             <p:ph idx="1"/>
             <p:extLst>
               <p:ext uri="{D42A27DB-BD31-4B8C-83A1-F6EECF244321}">
-                <p14:modId xmlns:p14="http://schemas.microsoft.com/office/powerpoint/2010/main" val="2953414483"/>
+                <p14:modId xmlns:p14="http://schemas.microsoft.com/office/powerpoint/2010/main" val="3536766074"/>
               </p:ext>
             </p:extLst>
           </p:nvPr>
@@ -13310,7 +13324,7 @@
             <p:ph idx="1"/>
             <p:extLst>
               <p:ext uri="{D42A27DB-BD31-4B8C-83A1-F6EECF244321}">
-                <p14:modId xmlns:p14="http://schemas.microsoft.com/office/powerpoint/2010/main" val="2227971377"/>
+                <p14:modId xmlns:p14="http://schemas.microsoft.com/office/powerpoint/2010/main" val="2027107456"/>
               </p:ext>
             </p:extLst>
           </p:nvPr>
@@ -13582,7 +13596,7 @@
             <a:pPr lvl="1"/>
             <a:r>
               <a:rPr lang="en-US" dirty="0"/>
-              <a:t>Authentication through Google Sign In</a:t>
+              <a:t>Authentication and authorization through Google Sign In</a:t>
             </a:r>
           </a:p>
           <a:p>
@@ -13596,7 +13610,7 @@
             <a:pPr lvl="1"/>
             <a:r>
               <a:rPr lang="en-US" dirty="0"/>
-              <a:t>OpenID authentication with Spotify</a:t>
+              <a:t>OpenID authorization with Spotify</a:t>
             </a:r>
           </a:p>
           <a:p>
